--- a/LiMu/HandsAI/68_Transformer/Papers/images.pptx
+++ b/LiMu/HandsAI/68_Transformer/Papers/images.pptx
@@ -7509,20 +7509,7 @@
                 <a:ea typeface="KaiTi" panose="02010609060101010101" pitchFamily="49" charset="-122"/>
                 <a:cs typeface="Times New Roman" panose="02020603050405020304" pitchFamily="18" charset="0"/>
               </a:rPr>
-              <a:t> 就有多少</a:t>
-            </a:r>
-            <a:r>
-              <a:rPr kumimoji="1" lang="zh-CN" altLang="en-US" sz="1000" b="1">
-                <a:solidFill>
-                  <a:schemeClr val="accent2">
-                    <a:lumMod val="50000"/>
-                  </a:schemeClr>
-                </a:solidFill>
-                <a:latin typeface="Times New Roman" panose="02020603050405020304" pitchFamily="18" charset="0"/>
-                <a:ea typeface="KaiTi" panose="02010609060101010101" pitchFamily="49" charset="-122"/>
-                <a:cs typeface="Times New Roman" panose="02020603050405020304" pitchFamily="18" charset="0"/>
-              </a:rPr>
-              <a:t>个权重序列</a:t>
+              <a:t> 就有多少个权重序列</a:t>
             </a:r>
             <a:endParaRPr kumimoji="1" lang="en-US" altLang="zh-CN" sz="1000" b="1" dirty="0">
               <a:solidFill>
